--- a/PM/Presentations/PM_ThesisUpdates_Jan11.pptx
+++ b/PM/Presentations/PM_ThesisUpdates_Jan11.pptx
@@ -13,9 +13,8 @@
     <p:sldId id="262" r:id="rId7"/>
     <p:sldId id="263" r:id="rId8"/>
     <p:sldId id="265" r:id="rId9"/>
-    <p:sldId id="264" r:id="rId10"/>
-    <p:sldId id="261" r:id="rId11"/>
-    <p:sldId id="266" r:id="rId12"/>
+    <p:sldId id="261" r:id="rId10"/>
+    <p:sldId id="266" r:id="rId11"/>
   </p:sldIdLst>
   <p:sldSz cx="12192000" cy="6858000"/>
   <p:notesSz cx="6858000" cy="9144000"/>
@@ -114,6 +113,11 @@
       </a:defRPr>
     </a:lvl9pPr>
   </p:defaultTextStyle>
+  <p:extLst>
+    <p:ext uri="{EFAFB233-063F-42B5-8137-9DF3F51BA10A}">
+      <p15:sldGuideLst xmlns:p15="http://schemas.microsoft.com/office/powerpoint/2012/main"/>
+    </p:ext>
+  </p:extLst>
 </p:presentation>
 </file>
 
@@ -266,7 +270,7 @@
           <a:p>
             <a:fld id="{2C7138F7-1AB5-4A9F-ACA1-A7736F0704B0}" type="datetimeFigureOut">
               <a:rPr lang="de-CH" smtClean="0"/>
-              <a:t>10.01.2019</a:t>
+              <a:t>11.01.2019</a:t>
             </a:fld>
             <a:endParaRPr lang="de-CH"/>
           </a:p>
@@ -466,7 +470,7 @@
           <a:p>
             <a:fld id="{2C7138F7-1AB5-4A9F-ACA1-A7736F0704B0}" type="datetimeFigureOut">
               <a:rPr lang="de-CH" smtClean="0"/>
-              <a:t>10.01.2019</a:t>
+              <a:t>11.01.2019</a:t>
             </a:fld>
             <a:endParaRPr lang="de-CH"/>
           </a:p>
@@ -676,7 +680,7 @@
           <a:p>
             <a:fld id="{2C7138F7-1AB5-4A9F-ACA1-A7736F0704B0}" type="datetimeFigureOut">
               <a:rPr lang="de-CH" smtClean="0"/>
-              <a:t>10.01.2019</a:t>
+              <a:t>11.01.2019</a:t>
             </a:fld>
             <a:endParaRPr lang="de-CH"/>
           </a:p>
@@ -876,7 +880,7 @@
           <a:p>
             <a:fld id="{2C7138F7-1AB5-4A9F-ACA1-A7736F0704B0}" type="datetimeFigureOut">
               <a:rPr lang="de-CH" smtClean="0"/>
-              <a:t>10.01.2019</a:t>
+              <a:t>11.01.2019</a:t>
             </a:fld>
             <a:endParaRPr lang="de-CH"/>
           </a:p>
@@ -1152,7 +1156,7 @@
           <a:p>
             <a:fld id="{2C7138F7-1AB5-4A9F-ACA1-A7736F0704B0}" type="datetimeFigureOut">
               <a:rPr lang="de-CH" smtClean="0"/>
-              <a:t>10.01.2019</a:t>
+              <a:t>11.01.2019</a:t>
             </a:fld>
             <a:endParaRPr lang="de-CH"/>
           </a:p>
@@ -1420,7 +1424,7 @@
           <a:p>
             <a:fld id="{2C7138F7-1AB5-4A9F-ACA1-A7736F0704B0}" type="datetimeFigureOut">
               <a:rPr lang="de-CH" smtClean="0"/>
-              <a:t>10.01.2019</a:t>
+              <a:t>11.01.2019</a:t>
             </a:fld>
             <a:endParaRPr lang="de-CH"/>
           </a:p>
@@ -1835,7 +1839,7 @@
           <a:p>
             <a:fld id="{2C7138F7-1AB5-4A9F-ACA1-A7736F0704B0}" type="datetimeFigureOut">
               <a:rPr lang="de-CH" smtClean="0"/>
-              <a:t>10.01.2019</a:t>
+              <a:t>11.01.2019</a:t>
             </a:fld>
             <a:endParaRPr lang="de-CH"/>
           </a:p>
@@ -1977,7 +1981,7 @@
           <a:p>
             <a:fld id="{2C7138F7-1AB5-4A9F-ACA1-A7736F0704B0}" type="datetimeFigureOut">
               <a:rPr lang="de-CH" smtClean="0"/>
-              <a:t>10.01.2019</a:t>
+              <a:t>11.01.2019</a:t>
             </a:fld>
             <a:endParaRPr lang="de-CH"/>
           </a:p>
@@ -2090,7 +2094,7 @@
           <a:p>
             <a:fld id="{2C7138F7-1AB5-4A9F-ACA1-A7736F0704B0}" type="datetimeFigureOut">
               <a:rPr lang="de-CH" smtClean="0"/>
-              <a:t>10.01.2019</a:t>
+              <a:t>11.01.2019</a:t>
             </a:fld>
             <a:endParaRPr lang="de-CH"/>
           </a:p>
@@ -2403,7 +2407,7 @@
           <a:p>
             <a:fld id="{2C7138F7-1AB5-4A9F-ACA1-A7736F0704B0}" type="datetimeFigureOut">
               <a:rPr lang="de-CH" smtClean="0"/>
-              <a:t>10.01.2019</a:t>
+              <a:t>11.01.2019</a:t>
             </a:fld>
             <a:endParaRPr lang="de-CH"/>
           </a:p>
@@ -2692,7 +2696,7 @@
           <a:p>
             <a:fld id="{2C7138F7-1AB5-4A9F-ACA1-A7736F0704B0}" type="datetimeFigureOut">
               <a:rPr lang="de-CH" smtClean="0"/>
-              <a:t>10.01.2019</a:t>
+              <a:t>11.01.2019</a:t>
             </a:fld>
             <a:endParaRPr lang="de-CH"/>
           </a:p>
@@ -2935,7 +2939,7 @@
           <a:p>
             <a:fld id="{2C7138F7-1AB5-4A9F-ACA1-A7736F0704B0}" type="datetimeFigureOut">
               <a:rPr lang="de-CH" smtClean="0"/>
-              <a:t>10.01.2019</a:t>
+              <a:t>11.01.2019</a:t>
             </a:fld>
             <a:endParaRPr lang="de-CH"/>
           </a:p>
@@ -3375,7 +3379,7 @@
           <a:p>
             <a:r>
               <a:rPr lang="en-GB" dirty="0"/>
-              <a:t>Master Thesis </a:t>
+              <a:t>Master Thesis Updates </a:t>
             </a:r>
             <a:endParaRPr lang="de-CH" dirty="0"/>
           </a:p>
@@ -3459,7 +3463,7 @@
           <p:cNvPr id="2" name="Title 1">
             <a:extLst>
               <a:ext uri="{FF2B5EF4-FFF2-40B4-BE49-F238E27FC236}">
-                <a16:creationId xmlns:a16="http://schemas.microsoft.com/office/drawing/2014/main" id="{852B2F62-BA73-466B-885D-C117966613AC}"/>
+                <a16:creationId xmlns:a16="http://schemas.microsoft.com/office/drawing/2014/main" id="{A9FD4138-518D-4894-8B95-89486B6C0A34}"/>
               </a:ext>
             </a:extLst>
           </p:cNvPr>
@@ -3477,7 +3481,7 @@
           <a:p>
             <a:r>
               <a:rPr lang="en-GB" dirty="0"/>
-              <a:t>Open Questions as of now</a:t>
+              <a:t>Next Weeks</a:t>
             </a:r>
             <a:endParaRPr lang="de-CH" dirty="0"/>
           </a:p>
@@ -3488,7 +3492,7 @@
           <p:cNvPr id="3" name="Content Placeholder 2">
             <a:extLst>
               <a:ext uri="{FF2B5EF4-FFF2-40B4-BE49-F238E27FC236}">
-                <a16:creationId xmlns:a16="http://schemas.microsoft.com/office/drawing/2014/main" id="{1CE7A532-A3A7-46D1-B843-ECBC72CCA18C}"/>
+                <a16:creationId xmlns:a16="http://schemas.microsoft.com/office/drawing/2014/main" id="{F4771A90-B322-45DD-8644-5D4F9E538389}"/>
               </a:ext>
             </a:extLst>
           </p:cNvPr>
@@ -3501,176 +3505,79 @@
         </p:nvSpPr>
         <p:spPr/>
         <p:txBody>
-          <a:bodyPr>
-            <a:normAutofit/>
-          </a:bodyPr>
-          <a:lstStyle/>
-          <a:p>
-            <a:r>
-              <a:rPr lang="en-GB" dirty="0"/>
-              <a:t>Household definition?</a:t>
+          <a:bodyPr/>
+          <a:lstStyle/>
+          <a:p>
+            <a:r>
+              <a:rPr lang="en-GB" dirty="0"/>
+              <a:t>W5 and W6: </a:t>
             </a:r>
           </a:p>
           <a:p>
             <a:pPr lvl="1"/>
             <a:r>
               <a:rPr lang="en-GB" dirty="0"/>
-              <a:t>Building data available: demand and number of people but not households</a:t>
-            </a:r>
-          </a:p>
-          <a:p>
-            <a:pPr lvl="2"/>
-            <a:r>
-              <a:rPr lang="en-GB" dirty="0"/>
-              <a:t>Split demand into x households?</a:t>
+              <a:t>ODD for ABM</a:t>
             </a:r>
           </a:p>
           <a:p>
             <a:pPr lvl="1"/>
             <a:r>
               <a:rPr lang="en-GB" dirty="0"/>
-              <a:t>Incomes for these households? – Statistics Office? Random distributions?</a:t>
-            </a:r>
-          </a:p>
-          <a:p>
-            <a:r>
-              <a:rPr lang="en-GB" dirty="0"/>
-              <a:t>ABM</a:t>
+              <a:t>Data collection from CEA runs and ensure validation of that data</a:t>
             </a:r>
           </a:p>
           <a:p>
             <a:pPr lvl="1"/>
             <a:r>
               <a:rPr lang="en-GB" dirty="0"/>
-              <a:t>Possible to build own model? </a:t>
-            </a:r>
-            <a:r>
-              <a:rPr lang="en-GB" dirty="0" err="1"/>
-              <a:t>Muaafa</a:t>
-            </a:r>
-            <a:r>
-              <a:rPr lang="en-GB" dirty="0"/>
-              <a:t> as blueprint?</a:t>
-            </a:r>
-          </a:p>
-          <a:p>
-            <a:pPr lvl="1"/>
-            <a:r>
-              <a:rPr lang="en-GB" dirty="0"/>
-              <a:t>Software: Python seems best</a:t>
-            </a:r>
-          </a:p>
-          <a:p>
-            <a:pPr lvl="1"/>
-            <a:r>
-              <a:rPr lang="en-GB" dirty="0"/>
-              <a:t>CEA number of buildings is 1637- will the ABM be meaningful then? Does identification of which building installed PV make sense given the limited random distribution possibilities?</a:t>
-            </a:r>
-          </a:p>
-          <a:p>
-            <a:pPr lvl="2"/>
-            <a:endParaRPr lang="en-GB" dirty="0"/>
-          </a:p>
-          <a:p>
-            <a:pPr lvl="1"/>
+              <a:t>Making Communities from the GIS and building data and ZEV regulations</a:t>
+            </a:r>
+          </a:p>
+          <a:p>
+            <a:pPr marL="0" indent="0">
+              <a:buNone/>
+            </a:pPr>
             <a:endParaRPr lang="de-CH" dirty="0"/>
           </a:p>
         </p:txBody>
       </p:sp>
-    </p:spTree>
-    <p:extLst>
-      <p:ext uri="{BB962C8B-B14F-4D97-AF65-F5344CB8AC3E}">
-        <p14:creationId xmlns:p14="http://schemas.microsoft.com/office/powerpoint/2010/main" val="2149146669"/>
-      </p:ext>
-    </p:extLst>
-  </p:cSld>
-  <p:clrMapOvr>
-    <a:masterClrMapping/>
-  </p:clrMapOvr>
-</p:sld>
-</file>
-
-<file path=ppt/slides/slide11.xml><?xml version="1.0" encoding="utf-8"?>
-<p:sld xmlns:a="http://schemas.openxmlformats.org/drawingml/2006/main" xmlns:r="http://schemas.openxmlformats.org/officeDocument/2006/relationships" xmlns:p="http://schemas.openxmlformats.org/presentationml/2006/main">
-  <p:cSld>
-    <p:spTree>
-      <p:nvGrpSpPr>
-        <p:cNvPr id="1" name=""/>
-        <p:cNvGrpSpPr/>
-        <p:nvPr/>
-      </p:nvGrpSpPr>
-      <p:grpSpPr>
-        <a:xfrm>
-          <a:off x="0" y="0"/>
-          <a:ext cx="0" cy="0"/>
-          <a:chOff x="0" y="0"/>
-          <a:chExt cx="0" cy="0"/>
-        </a:xfrm>
-      </p:grpSpPr>
-      <p:sp>
-        <p:nvSpPr>
-          <p:cNvPr id="2" name="Title 1">
-            <a:extLst>
-              <a:ext uri="{FF2B5EF4-FFF2-40B4-BE49-F238E27FC236}">
-                <a16:creationId xmlns:a16="http://schemas.microsoft.com/office/drawing/2014/main" id="{A9FD4138-518D-4894-8B95-89486B6C0A34}"/>
-              </a:ext>
-            </a:extLst>
-          </p:cNvPr>
-          <p:cNvSpPr>
-            <a:spLocks noGrp="1"/>
-          </p:cNvSpPr>
-          <p:nvPr>
-            <p:ph type="title"/>
-          </p:nvPr>
-        </p:nvSpPr>
-        <p:spPr/>
-        <p:txBody>
-          <a:bodyPr/>
-          <a:lstStyle/>
-          <a:p>
-            <a:r>
-              <a:rPr lang="en-GB" dirty="0"/>
-              <a:t>Next month</a:t>
-            </a:r>
-            <a:endParaRPr lang="de-CH" dirty="0"/>
-          </a:p>
-        </p:txBody>
-      </p:sp>
-      <p:sp>
-        <p:nvSpPr>
-          <p:cNvPr id="3" name="Content Placeholder 2">
-            <a:extLst>
-              <a:ext uri="{FF2B5EF4-FFF2-40B4-BE49-F238E27FC236}">
-                <a16:creationId xmlns:a16="http://schemas.microsoft.com/office/drawing/2014/main" id="{F4771A90-B322-45DD-8644-5D4F9E538389}"/>
-              </a:ext>
-            </a:extLst>
-          </p:cNvPr>
-          <p:cNvSpPr>
-            <a:spLocks noGrp="1"/>
-          </p:cNvSpPr>
-          <p:nvPr>
-            <p:ph idx="1"/>
-          </p:nvPr>
-        </p:nvSpPr>
-        <p:spPr/>
-        <p:txBody>
-          <a:bodyPr/>
-          <a:lstStyle/>
-          <a:p>
-            <a:r>
-              <a:rPr lang="en-GB" dirty="0"/>
-              <a:t>Jan Week 3: ODD for ABM, Make Communities</a:t>
-            </a:r>
-          </a:p>
-          <a:p>
-            <a:r>
-              <a:rPr lang="en-GB" dirty="0"/>
-              <a:t>Jan Week 4: </a:t>
-            </a:r>
-            <a:endParaRPr lang="de-CH" dirty="0"/>
-          </a:p>
-        </p:txBody>
-      </p:sp>
+      <p:pic>
+        <p:nvPicPr>
+          <p:cNvPr id="4" name="Picture 3">
+            <a:extLst>
+              <a:ext uri="{FF2B5EF4-FFF2-40B4-BE49-F238E27FC236}">
+                <a16:creationId xmlns:a16="http://schemas.microsoft.com/office/drawing/2014/main" id="{0D079D11-5C63-4527-9150-71A7233091E8}"/>
+              </a:ext>
+            </a:extLst>
+          </p:cNvPr>
+          <p:cNvPicPr/>
+          <p:nvPr/>
+        </p:nvPicPr>
+        <p:blipFill>
+          <a:blip r:embed="rId2">
+            <a:extLst>
+              <a:ext uri="{28A0092B-C50C-407E-A947-70E740481C1C}">
+                <a14:useLocalDpi xmlns:a14="http://schemas.microsoft.com/office/drawing/2010/main" val="0"/>
+              </a:ext>
+            </a:extLst>
+          </a:blip>
+          <a:srcRect/>
+          <a:stretch>
+            <a:fillRect/>
+          </a:stretch>
+        </p:blipFill>
+        <p:spPr bwMode="auto">
+          <a:xfrm>
+            <a:off x="1004454" y="4004801"/>
+            <a:ext cx="9728201" cy="2880909"/>
+          </a:xfrm>
+          <a:prstGeom prst="rect">
+            <a:avLst/>
+          </a:prstGeom>
+          <a:noFill/>
+        </p:spPr>
+      </p:pic>
     </p:spTree>
     <p:extLst>
       <p:ext uri="{BB962C8B-B14F-4D97-AF65-F5344CB8AC3E}">
@@ -3759,37 +3666,44 @@
           <a:p>
             <a:r>
               <a:rPr lang="en-GB" dirty="0"/>
-              <a:t>Hypothesis of problem and thesis title</a:t>
-            </a:r>
-          </a:p>
-          <a:p>
-            <a:r>
-              <a:rPr lang="en-GB" dirty="0"/>
-              <a:t>Use of </a:t>
-            </a:r>
-            <a:r>
-              <a:rPr lang="en-GB" dirty="0" err="1"/>
-              <a:t>Netlogo</a:t>
-            </a:r>
-            <a:r>
-              <a:rPr lang="en-GB" dirty="0"/>
-              <a:t> or Python?</a:t>
-            </a:r>
-          </a:p>
-          <a:p>
-            <a:r>
-              <a:rPr lang="en-GB" dirty="0"/>
-              <a:t>Discussion on model – individual and community</a:t>
-            </a:r>
-          </a:p>
-          <a:p>
-            <a:pPr lvl="1"/>
-            <a:r>
-              <a:rPr lang="en-GB" dirty="0"/>
-              <a:t>ODD</a:t>
-            </a:r>
-          </a:p>
-          <a:p>
+              <a:t>Individual v Community Solar</a:t>
+            </a:r>
+          </a:p>
+          <a:p>
+            <a:r>
+              <a:rPr lang="en-GB" dirty="0"/>
+              <a:t>ABM</a:t>
+            </a:r>
+          </a:p>
+          <a:p>
+            <a:r>
+              <a:rPr lang="en-GB" dirty="0"/>
+              <a:t>Hypothesis of problem</a:t>
+            </a:r>
+          </a:p>
+          <a:p>
+            <a:r>
+              <a:rPr lang="en-GB" dirty="0"/>
+              <a:t>What do I wish to find?</a:t>
+            </a:r>
+          </a:p>
+          <a:p>
+            <a:r>
+              <a:rPr lang="en-GB" dirty="0"/>
+              <a:t>Thesis title</a:t>
+            </a:r>
+          </a:p>
+          <a:p>
+            <a:r>
+              <a:rPr lang="en-GB" dirty="0"/>
+              <a:t>Open questions</a:t>
+            </a:r>
+          </a:p>
+          <a:p>
+            <a:r>
+              <a:rPr lang="en-GB" dirty="0"/>
+              <a:t>Next steps and scheduling</a:t>
+            </a:r>
             <a:endParaRPr lang="de-CH" dirty="0"/>
           </a:p>
         </p:txBody>
@@ -3808,7 +3722,7 @@
         </p:nvSpPr>
         <p:spPr>
           <a:xfrm>
-            <a:off x="3850105" y="4804610"/>
+            <a:off x="7531768" y="3136612"/>
             <a:ext cx="4660232" cy="584775"/>
           </a:xfrm>
           <a:prstGeom prst="rect">
@@ -4051,7 +3965,9 @@
           </a:xfrm>
         </p:spPr>
         <p:txBody>
-          <a:bodyPr/>
+          <a:bodyPr>
+            <a:normAutofit lnSpcReduction="10000"/>
+          </a:bodyPr>
           <a:lstStyle/>
           <a:p>
             <a:r>
@@ -4130,7 +4046,7 @@
               <a:rPr lang="en-GB" dirty="0">
                 <a:sym typeface="Wingdings" panose="05000000000000000000" pitchFamily="2" charset="2"/>
               </a:rPr>
-              <a:t>&lt; Individual PV system size &lt; 30 kW</a:t>
+              <a:t>&lt; Individual PV system size &lt; 30 kW?</a:t>
             </a:r>
             <a:endParaRPr lang="en-GB" dirty="0"/>
           </a:p>
@@ -4192,7 +4108,7 @@
                   <a:srgbClr val="00B050"/>
                 </a:solidFill>
               </a:rPr>
-              <a:t>Need to manually make communities due to so many restrictions!</a:t>
+              <a:t>Need to manually make communities due to so many restrictions! Need to define how I will do that!</a:t>
             </a:r>
           </a:p>
           <a:p>
@@ -4254,9 +4170,16 @@
             <p:ph type="title"/>
           </p:nvPr>
         </p:nvSpPr>
-        <p:spPr/>
-        <p:txBody>
-          <a:bodyPr/>
+        <p:spPr>
+          <a:xfrm>
+            <a:off x="660400" y="69563"/>
+            <a:ext cx="10337800" cy="530802"/>
+          </a:xfrm>
+        </p:spPr>
+        <p:txBody>
+          <a:bodyPr>
+            <a:normAutofit fontScale="90000"/>
+          </a:bodyPr>
           <a:lstStyle/>
           <a:p>
             <a:r>
@@ -4283,14 +4206,14 @@
             <p:ph idx="1"/>
             <p:extLst>
               <p:ext uri="{D42A27DB-BD31-4B8C-83A1-F6EECF244321}">
-                <p14:modId xmlns:p14="http://schemas.microsoft.com/office/powerpoint/2010/main" val="2665872650"/>
+                <p14:modId xmlns:p14="http://schemas.microsoft.com/office/powerpoint/2010/main" val="4190037693"/>
               </p:ext>
             </p:extLst>
           </p:nvPr>
         </p:nvGraphicFramePr>
         <p:xfrm>
-          <a:off x="838200" y="1825625"/>
-          <a:ext cx="10515600" cy="741680"/>
+          <a:off x="175491" y="678180"/>
+          <a:ext cx="11951853" cy="5740400"/>
         </p:xfrm>
         <a:graphic>
           <a:graphicData uri="http://schemas.openxmlformats.org/drawingml/2006/table">
@@ -4299,21 +4222,21 @@
                 <a:tableStyleId>{5C22544A-7EE6-4342-B048-85BDC9FD1C3A}</a:tableStyleId>
               </a:tblPr>
               <a:tblGrid>
-                <a:gridCol w="3505200">
+                <a:gridCol w="3934691">
                   <a:extLst>
                     <a:ext uri="{9D8B030D-6E8A-4147-A177-3AD203B41FA5}">
                       <a16:colId xmlns:a16="http://schemas.microsoft.com/office/drawing/2014/main" val="2692904558"/>
                     </a:ext>
                   </a:extLst>
                 </a:gridCol>
-                <a:gridCol w="3505200">
+                <a:gridCol w="4033211">
                   <a:extLst>
                     <a:ext uri="{9D8B030D-6E8A-4147-A177-3AD203B41FA5}">
                       <a16:colId xmlns:a16="http://schemas.microsoft.com/office/drawing/2014/main" val="1466144736"/>
                     </a:ext>
                   </a:extLst>
                 </a:gridCol>
-                <a:gridCol w="3505200">
+                <a:gridCol w="3983951">
                   <a:extLst>
                     <a:ext uri="{9D8B030D-6E8A-4147-A177-3AD203B41FA5}">
                       <a16:colId xmlns:a16="http://schemas.microsoft.com/office/drawing/2014/main" val="2460481521"/>
@@ -4327,7 +4250,7 @@
                     <a:bodyPr/>
                     <a:lstStyle/>
                     <a:p>
-                      <a:endParaRPr lang="de-CH" dirty="0"/>
+                      <a:endParaRPr lang="de-CH" sz="1600" dirty="0"/>
                     </a:p>
                   </a:txBody>
                   <a:tcPr/>
@@ -4338,10 +4261,10 @@
                     <a:lstStyle/>
                     <a:p>
                       <a:r>
-                        <a:rPr lang="en-GB" dirty="0"/>
+                        <a:rPr lang="en-GB" sz="1600" dirty="0"/>
                         <a:t>Individual Solar</a:t>
                       </a:r>
-                      <a:endParaRPr lang="de-CH" dirty="0"/>
+                      <a:endParaRPr lang="de-CH" sz="1600" dirty="0"/>
                     </a:p>
                   </a:txBody>
                   <a:tcPr/>
@@ -4352,10 +4275,10 @@
                     <a:lstStyle/>
                     <a:p>
                       <a:r>
-                        <a:rPr lang="en-GB" dirty="0"/>
+                        <a:rPr lang="en-GB" sz="1600" dirty="0"/>
                         <a:t>Community Solar</a:t>
                       </a:r>
-                      <a:endParaRPr lang="de-CH" dirty="0"/>
+                      <a:endParaRPr lang="de-CH" sz="1600" dirty="0"/>
                     </a:p>
                   </a:txBody>
                   <a:tcPr/>
@@ -4373,10 +4296,10 @@
                     <a:lstStyle/>
                     <a:p>
                       <a:r>
-                        <a:rPr lang="en-GB" dirty="0"/>
+                        <a:rPr lang="en-GB" sz="1600" dirty="0"/>
                         <a:t>Definition</a:t>
                       </a:r>
-                      <a:endParaRPr lang="de-CH" dirty="0"/>
+                      <a:endParaRPr lang="de-CH" sz="1600" dirty="0"/>
                     </a:p>
                   </a:txBody>
                   <a:tcPr/>
@@ -4386,7 +4309,10 @@
                     <a:bodyPr/>
                     <a:lstStyle/>
                     <a:p>
-                      <a:endParaRPr lang="de-CH" dirty="0"/>
+                      <a:r>
+                        <a:rPr lang="de-CH" sz="1600" dirty="0"/>
+                        <a:t>An individual household which owns their PV</a:t>
+                      </a:r>
                     </a:p>
                   </a:txBody>
                   <a:tcPr/>
@@ -4396,7 +4322,10 @@
                     <a:bodyPr/>
                     <a:lstStyle/>
                     <a:p>
-                      <a:endParaRPr lang="de-CH"/>
+                      <a:r>
+                        <a:rPr lang="de-CH" sz="1600" dirty="0"/>
+                        <a:t>A collection of households (in cooperation with the building owner)</a:t>
+                      </a:r>
                     </a:p>
                   </a:txBody>
                   <a:tcPr/>
@@ -4404,6 +4333,250 @@
                 <a:extLst>
                   <a:ext uri="{0D108BD9-81ED-4DB2-BD59-A6C34878D82A}">
                     <a16:rowId xmlns:a16="http://schemas.microsoft.com/office/drawing/2014/main" val="153305733"/>
+                  </a:ext>
+                </a:extLst>
+              </a:tr>
+              <a:tr h="370840">
+                <a:tc>
+                  <a:txBody>
+                    <a:bodyPr/>
+                    <a:lstStyle/>
+                    <a:p>
+                      <a:r>
+                        <a:rPr lang="de-CH" sz="1600" dirty="0"/>
+                        <a:t>Ownership</a:t>
+                      </a:r>
+                    </a:p>
+                  </a:txBody>
+                  <a:tcPr/>
+                </a:tc>
+                <a:tc>
+                  <a:txBody>
+                    <a:bodyPr/>
+                    <a:lstStyle/>
+                    <a:p>
+                      <a:r>
+                        <a:rPr lang="de-CH" sz="1600" dirty="0"/>
+                        <a:t>100% household owned</a:t>
+                      </a:r>
+                    </a:p>
+                  </a:txBody>
+                  <a:tcPr/>
+                </a:tc>
+                <a:tc>
+                  <a:txBody>
+                    <a:bodyPr/>
+                    <a:lstStyle/>
+                    <a:p>
+                      <a:r>
+                        <a:rPr lang="de-CH" sz="1600" dirty="0"/>
+                        <a:t>ZEV: Owned by households + owner; as share of PV system based on how much every individual invests.</a:t>
+                      </a:r>
+                    </a:p>
+                    <a:p>
+                      <a:r>
+                        <a:rPr lang="de-CH" sz="1600" dirty="0"/>
+                        <a:t>(keeping agents limited, don’t want to try other ownership models like utility owned etc)</a:t>
+                      </a:r>
+                    </a:p>
+                  </a:txBody>
+                  <a:tcPr/>
+                </a:tc>
+                <a:extLst>
+                  <a:ext uri="{0D108BD9-81ED-4DB2-BD59-A6C34878D82A}">
+                    <a16:rowId xmlns:a16="http://schemas.microsoft.com/office/drawing/2014/main" val="1875970488"/>
+                  </a:ext>
+                </a:extLst>
+              </a:tr>
+              <a:tr h="370840">
+                <a:tc>
+                  <a:txBody>
+                    <a:bodyPr/>
+                    <a:lstStyle/>
+                    <a:p>
+                      <a:r>
+                        <a:rPr lang="de-CH" sz="1600" dirty="0"/>
+                        <a:t>Technical criteria: System Sizing?</a:t>
+                      </a:r>
+                      <a:br>
+                        <a:rPr lang="de-CH" sz="1600" dirty="0"/>
+                      </a:br>
+                      <a:r>
+                        <a:rPr lang="de-CH" sz="1600" dirty="0"/>
+                        <a:t>To cover 60% of demand? (energieSchweiz heuristic)</a:t>
+                      </a:r>
+                    </a:p>
+                    <a:p>
+                      <a:r>
+                        <a:rPr lang="de-CH" sz="1600" dirty="0"/>
+                        <a:t>Or 2x demand (DG – for communities though)</a:t>
+                      </a:r>
+                    </a:p>
+                  </a:txBody>
+                  <a:tcPr/>
+                </a:tc>
+                <a:tc>
+                  <a:txBody>
+                    <a:bodyPr/>
+                    <a:lstStyle/>
+                    <a:p>
+                      <a:r>
+                        <a:rPr lang="de-CH" sz="1600" dirty="0"/>
+                        <a:t>&lt; 30 kWp? (too large anyway)</a:t>
+                      </a:r>
+                    </a:p>
+                    <a:p>
+                      <a:r>
+                        <a:rPr lang="de-CH" sz="1600" dirty="0"/>
+                        <a:t>&lt; 10 kWp might work as well </a:t>
+                      </a:r>
+                    </a:p>
+                  </a:txBody>
+                  <a:tcPr/>
+                </a:tc>
+                <a:tc>
+                  <a:txBody>
+                    <a:bodyPr/>
+                    <a:lstStyle/>
+                    <a:p>
+                      <a:r>
+                        <a:rPr lang="de-CH" sz="1600" dirty="0"/>
+                        <a:t>&gt;30 kWp</a:t>
+                      </a:r>
+                    </a:p>
+                    <a:p>
+                      <a:r>
+                        <a:rPr lang="de-CH" sz="1600" dirty="0"/>
+                        <a:t>&lt; </a:t>
+                      </a:r>
+                      <a:r>
+                        <a:rPr lang="de-CH" sz="1600" i="1" dirty="0"/>
+                        <a:t>max PV system size</a:t>
+                      </a:r>
+                      <a:endParaRPr lang="de-CH" sz="1600" dirty="0"/>
+                    </a:p>
+                    <a:p>
+                      <a:r>
+                        <a:rPr lang="de-CH" sz="1600" dirty="0"/>
+                        <a:t>Also:</a:t>
+                      </a:r>
+                    </a:p>
+                    <a:p>
+                      <a:r>
+                        <a:rPr lang="de-CH" sz="1600" dirty="0"/>
+                        <a:t>&lt; 100 MWh of yearly electricity demand </a:t>
+                      </a:r>
+                    </a:p>
+                  </a:txBody>
+                  <a:tcPr/>
+                </a:tc>
+                <a:extLst>
+                  <a:ext uri="{0D108BD9-81ED-4DB2-BD59-A6C34878D82A}">
+                    <a16:rowId xmlns:a16="http://schemas.microsoft.com/office/drawing/2014/main" val="3894868958"/>
+                  </a:ext>
+                </a:extLst>
+              </a:tr>
+              <a:tr h="370840">
+                <a:tc>
+                  <a:txBody>
+                    <a:bodyPr/>
+                    <a:lstStyle/>
+                    <a:p>
+                      <a:r>
+                        <a:rPr lang="de-CH" sz="1600" dirty="0"/>
+                        <a:t>Economic criteria</a:t>
+                      </a:r>
+                    </a:p>
+                  </a:txBody>
+                  <a:tcPr/>
+                </a:tc>
+                <a:tc>
+                  <a:txBody>
+                    <a:bodyPr/>
+                    <a:lstStyle/>
+                    <a:p>
+                      <a:r>
+                        <a:rPr lang="de-CH" sz="1600" dirty="0"/>
+                        <a:t>Positive NPV</a:t>
+                      </a:r>
+                    </a:p>
+                  </a:txBody>
+                  <a:tcPr/>
+                </a:tc>
+                <a:tc>
+                  <a:txBody>
+                    <a:bodyPr/>
+                    <a:lstStyle/>
+                    <a:p>
+                      <a:r>
+                        <a:rPr lang="de-CH" sz="1600" dirty="0"/>
+                        <a:t>Positive NPV for all stakeholders</a:t>
+                      </a:r>
+                    </a:p>
+                  </a:txBody>
+                  <a:tcPr/>
+                </a:tc>
+                <a:extLst>
+                  <a:ext uri="{0D108BD9-81ED-4DB2-BD59-A6C34878D82A}">
+                    <a16:rowId xmlns:a16="http://schemas.microsoft.com/office/drawing/2014/main" val="2680460145"/>
+                  </a:ext>
+                </a:extLst>
+              </a:tr>
+              <a:tr h="370840">
+                <a:tc>
+                  <a:txBody>
+                    <a:bodyPr/>
+                    <a:lstStyle/>
+                    <a:p>
+                      <a:r>
+                        <a:rPr lang="de-CH" sz="1600" dirty="0"/>
+                        <a:t>Social criteria and attitudes</a:t>
+                      </a:r>
+                    </a:p>
+                  </a:txBody>
+                  <a:tcPr/>
+                </a:tc>
+                <a:tc>
+                  <a:txBody>
+                    <a:bodyPr/>
+                    <a:lstStyle/>
+                    <a:p>
+                      <a:r>
+                        <a:rPr lang="de-CH" sz="1600" dirty="0"/>
+                        <a:t>Peer effects as cost reductions in NPV formula</a:t>
+                      </a:r>
+                    </a:p>
+                    <a:p>
+                      <a:r>
+                        <a:rPr lang="de-CH" sz="1600" dirty="0"/>
+                        <a:t>Attitudes (TPB): create initial attitudes randomly, update throughout simulation</a:t>
+                      </a:r>
+                    </a:p>
+                  </a:txBody>
+                  <a:tcPr/>
+                </a:tc>
+                <a:tc>
+                  <a:txBody>
+                    <a:bodyPr/>
+                    <a:lstStyle/>
+                    <a:p>
+                      <a:r>
+                        <a:rPr lang="de-CH" sz="1600" dirty="0"/>
+                        <a:t>Peer effects as cost reduction in NPV formula: radius of influence of neighbours is greater owing to more buildings in consideration for ZEV</a:t>
+                      </a:r>
+                    </a:p>
+                    <a:p>
+                      <a:endParaRPr lang="de-CH" sz="1600" dirty="0"/>
+                    </a:p>
+                    <a:p>
+                      <a:endParaRPr lang="de-CH" sz="1600" dirty="0"/>
+                    </a:p>
+                  </a:txBody>
+                  <a:tcPr/>
+                </a:tc>
+                <a:extLst>
+                  <a:ext uri="{0D108BD9-81ED-4DB2-BD59-A6C34878D82A}">
+                    <a16:rowId xmlns:a16="http://schemas.microsoft.com/office/drawing/2014/main" val="2084767930"/>
                   </a:ext>
                 </a:extLst>
               </a:tr>
@@ -4488,7 +4661,9 @@
         </p:nvSpPr>
         <p:spPr/>
         <p:txBody>
-          <a:bodyPr/>
+          <a:bodyPr>
+            <a:normAutofit fontScale="92500" lnSpcReduction="10000"/>
+          </a:bodyPr>
           <a:lstStyle/>
           <a:p>
             <a:r>
@@ -4497,7 +4672,7 @@
             </a:r>
             <a:r>
               <a:rPr lang="en-GB" dirty="0"/>
-              <a:t>: Very simple model, can include a lot more in it</a:t>
+              <a:t>: Very simple model, can include a lot more in it (just a neighbourhood effect translated to money saved for NPV calculation)</a:t>
             </a:r>
           </a:p>
           <a:p>
@@ -4512,6 +4687,12 @@
             <a:r>
               <a:rPr lang="en-GB" dirty="0"/>
               <a:t>Yearly decision making or higher resolution?</a:t>
+            </a:r>
+          </a:p>
+          <a:p>
+            <a:r>
+              <a:rPr lang="en-GB" dirty="0"/>
+              <a:t>They don’t consider the following:</a:t>
             </a:r>
           </a:p>
           <a:p>
@@ -4680,12 +4861,19 @@
           </a:p>
           <a:p>
             <a:pPr lvl="1"/>
+            <a:r>
+              <a:rPr lang="en-GB" dirty="0"/>
+              <a:t>Pros of community PV will outweigh individual PV </a:t>
+            </a:r>
+          </a:p>
+          <a:p>
+            <a:pPr lvl="1"/>
             <a:endParaRPr lang="en-GB" dirty="0"/>
           </a:p>
           <a:p>
             <a:r>
               <a:rPr lang="en-GB" dirty="0"/>
-              <a:t>Do ZEV regulations limit the optimal adoption of community PV systems?</a:t>
+              <a:t>Do current ZEV regulations limit the optimal adoption of community PV systems?</a:t>
             </a:r>
           </a:p>
           <a:p>
@@ -4754,7 +4942,7 @@
           <a:p>
             <a:r>
               <a:rPr lang="en-GB" dirty="0"/>
-              <a:t>Scope</a:t>
+              <a:t>Title</a:t>
             </a:r>
             <a:endParaRPr lang="de-CH" dirty="0"/>
           </a:p>
@@ -4778,10 +4966,98 @@
         </p:nvSpPr>
         <p:spPr/>
         <p:txBody>
-          <a:bodyPr/>
-          <a:lstStyle/>
-          <a:p>
-            <a:endParaRPr lang="de-CH"/>
+          <a:bodyPr>
+            <a:normAutofit fontScale="92500" lnSpcReduction="20000"/>
+          </a:bodyPr>
+          <a:lstStyle/>
+          <a:p>
+            <a:r>
+              <a:rPr lang="de-CH" dirty="0"/>
+              <a:t>«A comparison of Individual and Community PV adoption levels under current regulations in Switzerland using Agent-based Modelling»</a:t>
+            </a:r>
+          </a:p>
+          <a:p>
+            <a:r>
+              <a:rPr lang="de-CH" dirty="0"/>
+              <a:t>Deliverables:</a:t>
+            </a:r>
+          </a:p>
+          <a:p>
+            <a:pPr lvl="1"/>
+            <a:r>
+              <a:rPr lang="de-CH" dirty="0"/>
+              <a:t>Model of Community adoption with ABM </a:t>
+            </a:r>
+          </a:p>
+          <a:p>
+            <a:pPr lvl="1"/>
+            <a:r>
+              <a:rPr lang="de-CH" dirty="0"/>
+              <a:t>Comparison: Individual v Community</a:t>
+            </a:r>
+          </a:p>
+          <a:p>
+            <a:pPr lvl="2"/>
+            <a:r>
+              <a:rPr lang="en-GB" dirty="0"/>
+              <a:t>Total installed capacity</a:t>
+            </a:r>
+          </a:p>
+          <a:p>
+            <a:pPr lvl="2"/>
+            <a:r>
+              <a:rPr lang="en-GB" dirty="0"/>
+              <a:t>Geographical variability</a:t>
+            </a:r>
+          </a:p>
+          <a:p>
+            <a:pPr lvl="2"/>
+            <a:r>
+              <a:rPr lang="en-GB" dirty="0"/>
+              <a:t>Temporal variability in adoption</a:t>
+            </a:r>
+          </a:p>
+          <a:p>
+            <a:pPr lvl="2"/>
+            <a:r>
+              <a:rPr lang="de-CH" dirty="0"/>
+              <a:t>Variation in Prices</a:t>
+            </a:r>
+          </a:p>
+          <a:p>
+            <a:pPr lvl="1"/>
+            <a:r>
+              <a:rPr lang="de-CH" dirty="0"/>
+              <a:t>Sensitivity analyses</a:t>
+            </a:r>
+          </a:p>
+          <a:p>
+            <a:pPr lvl="2"/>
+            <a:r>
+              <a:rPr lang="de-CH" dirty="0"/>
+              <a:t>Prices of PV and electricity</a:t>
+            </a:r>
+          </a:p>
+          <a:p>
+            <a:pPr lvl="2"/>
+            <a:r>
+              <a:rPr lang="de-CH" dirty="0"/>
+              <a:t>Rebates</a:t>
+            </a:r>
+          </a:p>
+          <a:p>
+            <a:pPr lvl="2"/>
+            <a:r>
+              <a:rPr lang="de-CH" dirty="0"/>
+              <a:t>ZEV regulations</a:t>
+            </a:r>
+          </a:p>
+          <a:p>
+            <a:pPr lvl="2"/>
+            <a:r>
+              <a:rPr lang="de-CH" dirty="0"/>
+              <a:t>Attitudes?</a:t>
+            </a:r>
           </a:p>
         </p:txBody>
       </p:sp>
@@ -4820,7 +5096,7 @@
           <p:cNvPr id="2" name="Title 1">
             <a:extLst>
               <a:ext uri="{FF2B5EF4-FFF2-40B4-BE49-F238E27FC236}">
-                <a16:creationId xmlns:a16="http://schemas.microsoft.com/office/drawing/2014/main" id="{640E987F-4478-4AD6-82F4-8189083F89A3}"/>
+                <a16:creationId xmlns:a16="http://schemas.microsoft.com/office/drawing/2014/main" id="{852B2F62-BA73-466B-885D-C117966613AC}"/>
               </a:ext>
             </a:extLst>
           </p:cNvPr>
@@ -4838,7 +5114,7 @@
           <a:p>
             <a:r>
               <a:rPr lang="en-GB" dirty="0"/>
-              <a:t>What do I wish to find?</a:t>
+              <a:t>Open Questions as of now</a:t>
             </a:r>
             <a:endParaRPr lang="de-CH" dirty="0"/>
           </a:p>
@@ -4849,7 +5125,7 @@
           <p:cNvPr id="3" name="Content Placeholder 2">
             <a:extLst>
               <a:ext uri="{FF2B5EF4-FFF2-40B4-BE49-F238E27FC236}">
-                <a16:creationId xmlns:a16="http://schemas.microsoft.com/office/drawing/2014/main" id="{6E954758-9461-42F4-9EC4-70A2E1CBF455}"/>
+                <a16:creationId xmlns:a16="http://schemas.microsoft.com/office/drawing/2014/main" id="{1CE7A532-A3A7-46D1-B843-ECBC72CCA18C}"/>
               </a:ext>
             </a:extLst>
           </p:cNvPr>
@@ -4862,54 +5138,70 @@
         </p:nvSpPr>
         <p:spPr/>
         <p:txBody>
-          <a:bodyPr/>
-          <a:lstStyle/>
-          <a:p>
-            <a:r>
-              <a:rPr lang="en-GB" dirty="0"/>
-              <a:t>Differences in adoption levels:</a:t>
+          <a:bodyPr>
+            <a:normAutofit/>
+          </a:bodyPr>
+          <a:lstStyle/>
+          <a:p>
+            <a:r>
+              <a:rPr lang="en-GB" dirty="0"/>
+              <a:t>Household definition?</a:t>
             </a:r>
           </a:p>
           <a:p>
             <a:pPr lvl="1"/>
             <a:r>
               <a:rPr lang="en-GB" dirty="0"/>
-              <a:t>Community vs. Individual in terms of:</a:t>
+              <a:t>Building data available: demand and number of people but not households</a:t>
             </a:r>
           </a:p>
           <a:p>
             <a:pPr lvl="2"/>
             <a:r>
               <a:rPr lang="en-GB" dirty="0"/>
-              <a:t>Total installed capacity</a:t>
-            </a:r>
-          </a:p>
-          <a:p>
-            <a:pPr lvl="2"/>
-            <a:r>
-              <a:rPr lang="en-GB" dirty="0"/>
-              <a:t>Geographical variability</a:t>
-            </a:r>
-          </a:p>
-          <a:p>
-            <a:pPr lvl="2"/>
-            <a:r>
-              <a:rPr lang="en-GB" dirty="0"/>
-              <a:t>Greater per household system sizes in community</a:t>
-            </a:r>
-          </a:p>
-          <a:p>
-            <a:pPr lvl="2"/>
-            <a:r>
-              <a:rPr lang="en-GB" dirty="0"/>
-              <a:t>Temporal variability in adoption</a:t>
-            </a:r>
-          </a:p>
-          <a:p>
-            <a:pPr lvl="2"/>
-            <a:r>
-              <a:rPr lang="en-GB" dirty="0"/>
-              <a:t>Adoption variability with prices of PV, electricity, rebate levels, more relaxed description of what ZEV can be? </a:t>
+              <a:t>Split demand into x households?</a:t>
+            </a:r>
+          </a:p>
+          <a:p>
+            <a:pPr lvl="1"/>
+            <a:r>
+              <a:rPr lang="en-GB" dirty="0"/>
+              <a:t>Incomes for these households? – Statistics Office? Random distributions?</a:t>
+            </a:r>
+          </a:p>
+          <a:p>
+            <a:r>
+              <a:rPr lang="en-GB" dirty="0"/>
+              <a:t>ABM</a:t>
+            </a:r>
+          </a:p>
+          <a:p>
+            <a:pPr lvl="1"/>
+            <a:r>
+              <a:rPr lang="en-GB" dirty="0"/>
+              <a:t>Possible to build own model? </a:t>
+            </a:r>
+            <a:r>
+              <a:rPr lang="en-GB" dirty="0" err="1"/>
+              <a:t>Muaafa</a:t>
+            </a:r>
+            <a:r>
+              <a:rPr lang="en-GB" dirty="0"/>
+              <a:t> as blueprint?</a:t>
+            </a:r>
+          </a:p>
+          <a:p>
+            <a:pPr lvl="1"/>
+            <a:r>
+              <a:rPr lang="en-GB" dirty="0"/>
+              <a:t>Software: Python seems best</a:t>
+            </a:r>
+          </a:p>
+          <a:p>
+            <a:pPr lvl="1"/>
+            <a:r>
+              <a:rPr lang="en-GB" dirty="0"/>
+              <a:t>CEA number of buildings is 1637- will the ABM be meaningful then? Does identification of which building installed PV make sense given the limited random distribution possibilities?</a:t>
             </a:r>
           </a:p>
           <a:p>
@@ -4925,7 +5217,7 @@
     </p:spTree>
     <p:extLst>
       <p:ext uri="{BB962C8B-B14F-4D97-AF65-F5344CB8AC3E}">
-        <p14:creationId xmlns:p14="http://schemas.microsoft.com/office/powerpoint/2010/main" val="902027815"/>
+        <p14:creationId xmlns:p14="http://schemas.microsoft.com/office/powerpoint/2010/main" val="2149146669"/>
       </p:ext>
     </p:extLst>
   </p:cSld>
